--- a/Risque_banque/Docs/Cours/Cours 2024 - Section 3 - 27 11 2024.pptx
+++ b/Risque_banque/Docs/Cours/Cours 2024 - Section 3 - 27 11 2024.pptx
@@ -240,7 +240,7 @@
             <a:pPr rtl="0"/>
             <a:fld id="{9125E3D9-DB02-4B6C-8A3D-AD3E0D3312C0}" type="datetime1">
               <a:rPr lang="fr-FR" smtClean="0"/>
-              <a:t>23/11/2024</a:t>
+              <a:t>26/01/2025</a:t>
             </a:fld>
             <a:endParaRPr lang="en-US" dirty="0"/>
           </a:p>
@@ -410,7 +410,7 @@
             <a:pPr rtl="0"/>
             <a:fld id="{5076AFEA-E08F-4B62-BE99-0E8D4FF14D8C}" type="datetime1">
               <a:rPr lang="fr-FR" smtClean="0"/>
-              <a:t>23/11/2024</a:t>
+              <a:t>26/01/2025</a:t>
             </a:fld>
             <a:endParaRPr lang="en-US"/>
           </a:p>
@@ -8789,8 +8789,8 @@
           </a:p>
         </p:txBody>
       </p:sp>
-      <mc:AlternateContent xmlns:mc="http://schemas.openxmlformats.org/markup-compatibility/2006">
-        <mc:Choice xmlns:a14="http://schemas.microsoft.com/office/drawing/2010/main" Requires="a14">
+      <mc:AlternateContent xmlns:mc="http://schemas.openxmlformats.org/markup-compatibility/2006" xmlns:a14="http://schemas.microsoft.com/office/drawing/2010/main">
+        <mc:Choice Requires="a14">
           <p:sp>
             <p:nvSpPr>
               <p:cNvPr id="3" name="Espace réservé du contenu 2">
@@ -8921,7 +8921,7 @@
             </p:txBody>
           </p:sp>
         </mc:Choice>
-        <mc:Fallback>
+        <mc:Fallback xmlns="">
           <p:sp>
             <p:nvSpPr>
               <p:cNvPr id="3" name="Espace réservé du contenu 2">
@@ -10206,8 +10206,8 @@
           </a:p>
         </p:txBody>
       </p:sp>
-      <mc:AlternateContent xmlns:mc="http://schemas.openxmlformats.org/markup-compatibility/2006">
-        <mc:Choice xmlns:a14="http://schemas.microsoft.com/office/drawing/2010/main" Requires="a14">
+      <mc:AlternateContent xmlns:mc="http://schemas.openxmlformats.org/markup-compatibility/2006" xmlns:a14="http://schemas.microsoft.com/office/drawing/2010/main">
+        <mc:Choice Requires="a14">
           <p:sp>
             <p:nvSpPr>
               <p:cNvPr id="3" name="Espace réservé du contenu 2">
@@ -10563,7 +10563,7 @@
             </p:txBody>
           </p:sp>
         </mc:Choice>
-        <mc:Fallback>
+        <mc:Fallback xmlns="">
           <p:sp>
             <p:nvSpPr>
               <p:cNvPr id="3" name="Espace réservé du contenu 2">
@@ -12446,8 +12446,8 @@
           </a:p>
         </p:txBody>
       </p:sp>
-      <mc:AlternateContent xmlns:mc="http://schemas.openxmlformats.org/markup-compatibility/2006">
-        <mc:Choice xmlns:a14="http://schemas.microsoft.com/office/drawing/2010/main" Requires="a14">
+      <mc:AlternateContent xmlns:mc="http://schemas.openxmlformats.org/markup-compatibility/2006" xmlns:a14="http://schemas.microsoft.com/office/drawing/2010/main">
+        <mc:Choice Requires="a14">
           <p:sp>
             <p:nvSpPr>
               <p:cNvPr id="3" name="Espace réservé du contenu 2">
@@ -12472,13 +12472,13 @@
               <a:lstStyle/>
               <a:p>
                 <a:r>
-                  <a:rPr lang="fr-FR"/>
+                  <a:rPr lang="fr-FR" dirty="0"/>
                   <a:t>Evaluation de la stabilité des variables en entrée et sortie du modèle : à calculer sur deux périodes (la période de construction et la période actuelle)</a:t>
                 </a:r>
               </a:p>
               <a:p>
                 <a:r>
-                  <a:rPr lang="fr-FR"/>
+                  <a:rPr lang="fr-FR" dirty="0"/>
                   <a:t>Calcul d’un indice de stabilité des modalités des variables inputs, ou de la classe de score en sortie du modèle :</a:t>
                 </a:r>
               </a:p>
@@ -12502,114 +12502,156 @@
                         <m:chr m:val="∑"/>
                         <m:limLoc m:val="undOvr"/>
                         <m:ctrlPr>
-                          <a:rPr lang="fr-FR" sz="2000" i="1"/>
+                          <a:rPr lang="fr-FR" sz="2000" i="1">
+                            <a:latin typeface="Cambria Math" panose="02040503050406030204" pitchFamily="18" charset="0"/>
+                          </a:rPr>
                         </m:ctrlPr>
                       </m:naryPr>
                       <m:sub>
                         <m:r>
-                          <a:rPr lang="fr-FR" sz="2000" i="1"/>
+                          <a:rPr lang="fr-FR" sz="2000" i="1">
+                            <a:latin typeface="Cambria Math" panose="02040503050406030204" pitchFamily="18" charset="0"/>
+                          </a:rPr>
                           <m:t>𝑖</m:t>
                         </m:r>
                         <m:r>
-                          <a:rPr lang="fr-FR" sz="2000" i="1"/>
+                          <a:rPr lang="fr-FR" sz="2000" i="1">
+                            <a:latin typeface="Cambria Math" panose="02040503050406030204" pitchFamily="18" charset="0"/>
+                          </a:rPr>
                           <m:t>=1</m:t>
                         </m:r>
                       </m:sub>
                       <m:sup>
                         <m:r>
-                          <a:rPr lang="fr-FR" sz="2000" i="1"/>
+                          <a:rPr lang="fr-FR" sz="2000" i="1">
+                            <a:latin typeface="Cambria Math" panose="02040503050406030204" pitchFamily="18" charset="0"/>
+                          </a:rPr>
                           <m:t>𝑖</m:t>
                         </m:r>
                         <m:r>
-                          <a:rPr lang="fr-FR" sz="2000" i="1"/>
+                          <a:rPr lang="fr-FR" sz="2000" i="1">
+                            <a:latin typeface="Cambria Math" panose="02040503050406030204" pitchFamily="18" charset="0"/>
+                          </a:rPr>
                           <m:t>=</m:t>
                         </m:r>
                         <m:r>
-                          <a:rPr lang="fr-FR" sz="2000" i="1"/>
+                          <a:rPr lang="fr-FR" sz="2000" i="1">
+                            <a:latin typeface="Cambria Math" panose="02040503050406030204" pitchFamily="18" charset="0"/>
+                          </a:rPr>
                           <m:t>𝑁</m:t>
                         </m:r>
                       </m:sup>
                       <m:e>
                         <m:r>
-                          <a:rPr lang="fr-FR" sz="2000" i="1"/>
+                          <a:rPr lang="fr-FR" sz="2000" i="1">
+                            <a:latin typeface="Cambria Math" panose="02040503050406030204" pitchFamily="18" charset="0"/>
+                          </a:rPr>
                           <m:t>(</m:t>
                         </m:r>
                         <m:sSub>
                           <m:sSubPr>
                             <m:ctrlPr>
-                              <a:rPr lang="fr-FR" sz="2000" i="1"/>
+                              <a:rPr lang="fr-FR" sz="2000" i="1">
+                                <a:latin typeface="Cambria Math" panose="02040503050406030204" pitchFamily="18" charset="0"/>
+                              </a:rPr>
                             </m:ctrlPr>
                           </m:sSubPr>
                           <m:e>
                             <m:r>
-                              <a:rPr lang="fr-FR" sz="2000" i="1"/>
+                              <a:rPr lang="fr-FR" sz="2000" i="1">
+                                <a:latin typeface="Cambria Math" panose="02040503050406030204" pitchFamily="18" charset="0"/>
+                              </a:rPr>
                               <m:t>𝑌</m:t>
                             </m:r>
                           </m:e>
                           <m:sub>
                             <m:r>
-                              <a:rPr lang="fr-FR" sz="2000" i="1"/>
+                              <a:rPr lang="fr-FR" sz="2000" i="1">
+                                <a:latin typeface="Cambria Math" panose="02040503050406030204" pitchFamily="18" charset="0"/>
+                              </a:rPr>
                               <m:t>𝑖</m:t>
                             </m:r>
                           </m:sub>
                         </m:sSub>
                         <m:r>
-                          <a:rPr lang="fr-FR" sz="2000" i="1"/>
+                          <a:rPr lang="fr-FR" sz="2000" i="1">
+                            <a:latin typeface="Cambria Math" panose="02040503050406030204" pitchFamily="18" charset="0"/>
+                          </a:rPr>
                           <m:t>−</m:t>
                         </m:r>
                         <m:sSub>
                           <m:sSubPr>
                             <m:ctrlPr>
-                              <a:rPr lang="fr-FR" sz="2000" i="1"/>
+                              <a:rPr lang="fr-FR" sz="2000" i="1">
+                                <a:latin typeface="Cambria Math" panose="02040503050406030204" pitchFamily="18" charset="0"/>
+                              </a:rPr>
                             </m:ctrlPr>
                           </m:sSubPr>
                           <m:e>
                             <m:r>
-                              <a:rPr lang="fr-FR" sz="2000" i="1"/>
+                              <a:rPr lang="fr-FR" sz="2000" i="1">
+                                <a:latin typeface="Cambria Math" panose="02040503050406030204" pitchFamily="18" charset="0"/>
+                              </a:rPr>
                               <m:t>𝑋</m:t>
                             </m:r>
                           </m:e>
                           <m:sub>
                             <m:r>
-                              <a:rPr lang="fr-FR" sz="2000" i="1"/>
+                              <a:rPr lang="fr-FR" sz="2000" i="1">
+                                <a:latin typeface="Cambria Math" panose="02040503050406030204" pitchFamily="18" charset="0"/>
+                              </a:rPr>
                               <m:t>𝑖</m:t>
                             </m:r>
                           </m:sub>
                         </m:sSub>
                         <m:r>
-                          <a:rPr lang="fr-FR" sz="2000" i="1"/>
+                          <a:rPr lang="fr-FR" sz="2000" i="1">
+                            <a:latin typeface="Cambria Math" panose="02040503050406030204" pitchFamily="18" charset="0"/>
+                          </a:rPr>
                           <m:t>)×</m:t>
                         </m:r>
                         <m:r>
-                          <a:rPr lang="fr-FR" sz="2000" i="1"/>
+                          <a:rPr lang="fr-FR" sz="2000" i="1">
+                            <a:latin typeface="Cambria Math" panose="02040503050406030204" pitchFamily="18" charset="0"/>
+                          </a:rPr>
                           <m:t>𝐿𝑜𝑔</m:t>
                         </m:r>
                         <m:r>
-                          <a:rPr lang="fr-FR" sz="2000" i="1"/>
+                          <a:rPr lang="fr-FR" sz="2000" i="1">
+                            <a:latin typeface="Cambria Math" panose="02040503050406030204" pitchFamily="18" charset="0"/>
+                          </a:rPr>
                           <m:t>(</m:t>
                         </m:r>
                         <m:f>
                           <m:fPr>
                             <m:ctrlPr>
-                              <a:rPr lang="fr-FR" sz="2000" i="1"/>
+                              <a:rPr lang="fr-FR" sz="2000" i="1">
+                                <a:latin typeface="Cambria Math" panose="02040503050406030204" pitchFamily="18" charset="0"/>
+                              </a:rPr>
                             </m:ctrlPr>
                           </m:fPr>
                           <m:num>
                             <m:sSub>
                               <m:sSubPr>
                                 <m:ctrlPr>
-                                  <a:rPr lang="fr-FR" sz="2000" i="1"/>
+                                  <a:rPr lang="fr-FR" sz="2000" i="1">
+                                    <a:latin typeface="Cambria Math" panose="02040503050406030204" pitchFamily="18" charset="0"/>
+                                  </a:rPr>
                                 </m:ctrlPr>
                               </m:sSubPr>
                               <m:e>
                                 <m:r>
-                                  <a:rPr lang="fr-FR" sz="2000" i="1"/>
+                                  <a:rPr lang="fr-FR" sz="2000" i="1">
+                                    <a:latin typeface="Cambria Math" panose="02040503050406030204" pitchFamily="18" charset="0"/>
+                                  </a:rPr>
                                   <m:t>𝑌</m:t>
                                 </m:r>
                               </m:e>
                               <m:sub>
                                 <m:r>
-                                  <a:rPr lang="fr-FR" sz="2000" i="1"/>
+                                  <a:rPr lang="fr-FR" sz="2000" i="1">
+                                    <a:latin typeface="Cambria Math" panose="02040503050406030204" pitchFamily="18" charset="0"/>
+                                  </a:rPr>
                                   <m:t>𝑖</m:t>
                                 </m:r>
                               </m:sub>
@@ -12619,18 +12661,24 @@
                             <m:sSub>
                               <m:sSubPr>
                                 <m:ctrlPr>
-                                  <a:rPr lang="fr-FR" sz="2000" i="1"/>
+                                  <a:rPr lang="fr-FR" sz="2000" i="1">
+                                    <a:latin typeface="Cambria Math" panose="02040503050406030204" pitchFamily="18" charset="0"/>
+                                  </a:rPr>
                                 </m:ctrlPr>
                               </m:sSubPr>
                               <m:e>
                                 <m:r>
-                                  <a:rPr lang="fr-FR" sz="2000" i="1"/>
+                                  <a:rPr lang="fr-FR" sz="2000" i="1">
+                                    <a:latin typeface="Cambria Math" panose="02040503050406030204" pitchFamily="18" charset="0"/>
+                                  </a:rPr>
                                   <m:t>𝑋</m:t>
                                 </m:r>
                               </m:e>
                               <m:sub>
                                 <m:r>
-                                  <a:rPr lang="fr-FR" sz="2000" i="1"/>
+                                  <a:rPr lang="fr-FR" sz="2000" i="1">
+                                    <a:latin typeface="Cambria Math" panose="02040503050406030204" pitchFamily="18" charset="0"/>
+                                  </a:rPr>
                                   <m:t>𝑖</m:t>
                                 </m:r>
                               </m:sub>
@@ -12638,14 +12686,16 @@
                           </m:den>
                         </m:f>
                         <m:r>
-                          <a:rPr lang="fr-FR" sz="2000" i="1"/>
+                          <a:rPr lang="fr-FR" sz="2000" i="1">
+                            <a:latin typeface="Cambria Math" panose="02040503050406030204" pitchFamily="18" charset="0"/>
+                          </a:rPr>
                           <m:t>)</m:t>
                         </m:r>
                       </m:e>
                     </m:nary>
                   </m:oMath>
                 </a14:m>
-                <a:endParaRPr lang="fr-FR" sz="2000"/>
+                <a:endParaRPr lang="fr-FR" sz="2000" dirty="0"/>
               </a:p>
               <a:p>
                 <a:pPr>
@@ -12660,7 +12710,7 @@
                   </a:spcAft>
                 </a:pPr>
                 <a:r>
-                  <a:rPr lang="fr-FR" sz="2000"/>
+                  <a:rPr lang="fr-FR" sz="2000" dirty="0"/>
                   <a:t>Avec : 		i représente la modalité / classe de score (pour N classes)</a:t>
                 </a:r>
               </a:p>
@@ -12677,15 +12727,15 @@
                   </a:spcAft>
                 </a:pPr>
                 <a:r>
-                  <a:rPr lang="fr-FR" sz="2000"/>
+                  <a:rPr lang="fr-FR" sz="2000" dirty="0"/>
                   <a:t>		Y</a:t>
                 </a:r>
                 <a:r>
-                  <a:rPr lang="fr-FR" sz="2000" baseline="-25000"/>
+                  <a:rPr lang="fr-FR" sz="2000" baseline="-25000" dirty="0"/>
                   <a:t>i</a:t>
                 </a:r>
                 <a:r>
-                  <a:rPr lang="fr-FR" sz="2000"/>
+                  <a:rPr lang="fr-FR" sz="2000" dirty="0"/>
                   <a:t> est la fréquence actuelle (en %) de la classe i</a:t>
                 </a:r>
               </a:p>
@@ -12702,15 +12752,15 @@
                   </a:spcAft>
                 </a:pPr>
                 <a:r>
-                  <a:rPr lang="fr-FR" sz="2000"/>
+                  <a:rPr lang="fr-FR" sz="2000" dirty="0"/>
                   <a:t>		X</a:t>
                 </a:r>
                 <a:r>
-                  <a:rPr lang="fr-FR" sz="2000" baseline="-25000"/>
+                  <a:rPr lang="fr-FR" sz="2000" baseline="-25000" dirty="0"/>
                   <a:t>i</a:t>
                 </a:r>
                 <a:r>
-                  <a:rPr lang="fr-FR" sz="2000"/>
+                  <a:rPr lang="fr-FR" sz="2000" dirty="0"/>
                   <a:t> est la fréquence de la classe i lors de la construction du modèle</a:t>
                 </a:r>
               </a:p>
@@ -12725,7 +12775,7 @@
                   <a:buNone/>
                 </a:pPr>
                 <a:r>
-                  <a:rPr lang="fr-FR" sz="1800"/>
+                  <a:rPr lang="fr-FR" sz="1800" dirty="0"/>
                   <a:t>		Log est le logarithme naturel (népérien)</a:t>
                 </a:r>
               </a:p>
@@ -12733,21 +12783,21 @@
                 <a:pPr marL="384048" lvl="2" indent="0">
                   <a:buNone/>
                 </a:pPr>
-                <a:endParaRPr lang="fr-FR"/>
+                <a:endParaRPr lang="fr-FR" dirty="0"/>
               </a:p>
               <a:p>
                 <a:pPr marL="0" indent="0">
                   <a:buNone/>
                 </a:pPr>
                 <a:r>
-                  <a:rPr lang="fr-FR"/>
+                  <a:rPr lang="fr-FR" dirty="0"/>
                   <a:t>En général, on considère comme stable les IS inférieurs à 10 % et instables les IS supérieurs à 25%.</a:t>
                 </a:r>
               </a:p>
             </p:txBody>
           </p:sp>
         </mc:Choice>
-        <mc:Fallback>
+        <mc:Fallback xmlns="">
           <p:sp>
             <p:nvSpPr>
               <p:cNvPr id="3" name="Espace réservé du contenu 2">
@@ -13851,8 +13901,8 @@
           </a:p>
         </p:txBody>
       </p:sp>
-      <mc:AlternateContent xmlns:mc="http://schemas.openxmlformats.org/markup-compatibility/2006">
-        <mc:Choice xmlns:a14="http://schemas.microsoft.com/office/drawing/2010/main" Requires="a14">
+      <mc:AlternateContent xmlns:mc="http://schemas.openxmlformats.org/markup-compatibility/2006" xmlns:a14="http://schemas.microsoft.com/office/drawing/2010/main">
+        <mc:Choice Requires="a14">
           <p:sp>
             <p:nvSpPr>
               <p:cNvPr id="3" name="Espace réservé du contenu 2">
@@ -13877,7 +13927,7 @@
               <a:lstStyle/>
               <a:p>
                 <a:r>
-                  <a:rPr lang="fr-FR"/>
+                  <a:rPr lang="fr-FR" dirty="0"/>
                   <a:t>L’Information value de mesurer le pouvoir discriminant d’une variable / d’un score : elle se calcule sur les N modalités / classes </a:t>
                 </a:r>
               </a:p>
@@ -13885,7 +13935,7 @@
                 <a:pPr marL="384048" lvl="2" indent="0">
                   <a:buNone/>
                 </a:pPr>
-                <a:endParaRPr lang="fr-FR"/>
+                <a:endParaRPr lang="fr-FR" dirty="0"/>
               </a:p>
               <a:p>
                 <a:pPr marL="0" indent="0">
@@ -13914,30 +13964,42 @@
                           <m:chr m:val="∑"/>
                           <m:limLoc m:val="undOvr"/>
                           <m:ctrlPr>
-                            <a:rPr lang="fr-FR" i="1"/>
+                            <a:rPr lang="fr-FR" i="1">
+                              <a:latin typeface="Cambria Math" panose="02040503050406030204" pitchFamily="18" charset="0"/>
+                            </a:rPr>
                           </m:ctrlPr>
                         </m:naryPr>
                         <m:sub>
                           <m:r>
-                            <a:rPr lang="en-US" i="1"/>
+                            <a:rPr lang="en-US" i="1">
+                              <a:latin typeface="Cambria Math" panose="02040503050406030204" pitchFamily="18" charset="0"/>
+                            </a:rPr>
                             <m:t>𝑖</m:t>
                           </m:r>
                           <m:r>
-                            <a:rPr lang="en-US" i="1"/>
+                            <a:rPr lang="en-US" i="1">
+                              <a:latin typeface="Cambria Math" panose="02040503050406030204" pitchFamily="18" charset="0"/>
+                            </a:rPr>
                             <m:t>=1</m:t>
                           </m:r>
                         </m:sub>
                         <m:sup>
                           <m:r>
-                            <a:rPr lang="en-US" i="1"/>
+                            <a:rPr lang="en-US" i="1">
+                              <a:latin typeface="Cambria Math" panose="02040503050406030204" pitchFamily="18" charset="0"/>
+                            </a:rPr>
                             <m:t>𝑖</m:t>
                           </m:r>
                           <m:r>
-                            <a:rPr lang="en-US" i="1"/>
+                            <a:rPr lang="en-US" i="1">
+                              <a:latin typeface="Cambria Math" panose="02040503050406030204" pitchFamily="18" charset="0"/>
+                            </a:rPr>
                             <m:t>=</m:t>
                           </m:r>
                           <m:r>
-                            <a:rPr lang="en-US" i="1"/>
+                            <a:rPr lang="en-US" i="1">
+                              <a:latin typeface="Cambria Math" panose="02040503050406030204" pitchFamily="18" charset="0"/>
+                            </a:rPr>
                             <m:t>𝑁</m:t>
                           </m:r>
                         </m:sup>
@@ -13947,128 +14009,184 @@
                               <m:begChr m:val="["/>
                               <m:endChr m:val="]"/>
                               <m:ctrlPr>
-                                <a:rPr lang="fr-FR" i="1"/>
+                                <a:rPr lang="fr-FR" i="1">
+                                  <a:latin typeface="Cambria Math" panose="02040503050406030204" pitchFamily="18" charset="0"/>
+                                </a:rPr>
                               </m:ctrlPr>
                             </m:dPr>
                             <m:e>
                               <m:d>
                                 <m:dPr>
                                   <m:ctrlPr>
-                                    <a:rPr lang="fr-FR" i="1"/>
+                                    <a:rPr lang="fr-FR" i="1">
+                                      <a:latin typeface="Cambria Math" panose="02040503050406030204" pitchFamily="18" charset="0"/>
+                                    </a:rPr>
                                   </m:ctrlPr>
                                 </m:dPr>
                                 <m:e>
                                   <m:r>
-                                    <a:rPr lang="en-US" i="1"/>
+                                    <a:rPr lang="en-US" i="1">
+                                      <a:latin typeface="Cambria Math" panose="02040503050406030204" pitchFamily="18" charset="0"/>
+                                    </a:rPr>
                                     <m:t>𝑃𝑟𝑜𝑝𝑜𝑟𝑡𝑖𝑜𝑛</m:t>
                                   </m:r>
                                   <m:r>
-                                    <a:rPr lang="en-US" i="1"/>
+                                    <a:rPr lang="en-US" i="1">
+                                      <a:latin typeface="Cambria Math" panose="02040503050406030204" pitchFamily="18" charset="0"/>
+                                    </a:rPr>
                                     <m:t> </m:t>
                                   </m:r>
                                   <m:r>
-                                    <a:rPr lang="en-US" i="1"/>
+                                    <a:rPr lang="en-US" i="1">
+                                      <a:latin typeface="Cambria Math" panose="02040503050406030204" pitchFamily="18" charset="0"/>
+                                    </a:rPr>
                                     <m:t>𝑑𝑒𝑠</m:t>
                                   </m:r>
                                   <m:r>
-                                    <a:rPr lang="en-US" i="1"/>
+                                    <a:rPr lang="en-US" i="1">
+                                      <a:latin typeface="Cambria Math" panose="02040503050406030204" pitchFamily="18" charset="0"/>
+                                    </a:rPr>
                                     <m:t> </m:t>
                                   </m:r>
                                   <m:r>
-                                    <a:rPr lang="en-US" i="1"/>
+                                    <a:rPr lang="en-US" i="1">
+                                      <a:latin typeface="Cambria Math" panose="02040503050406030204" pitchFamily="18" charset="0"/>
+                                    </a:rPr>
                                     <m:t>𝑏𝑜𝑛𝑠</m:t>
                                   </m:r>
                                   <m:r>
-                                    <a:rPr lang="en-US" i="1"/>
+                                    <a:rPr lang="en-US" i="1">
+                                      <a:latin typeface="Cambria Math" panose="02040503050406030204" pitchFamily="18" charset="0"/>
+                                    </a:rPr>
                                     <m:t>−</m:t>
                                   </m:r>
                                   <m:r>
-                                    <a:rPr lang="en-US" i="1"/>
+                                    <a:rPr lang="en-US" i="1">
+                                      <a:latin typeface="Cambria Math" panose="02040503050406030204" pitchFamily="18" charset="0"/>
+                                    </a:rPr>
                                     <m:t>𝑃𝑟𝑜𝑝𝑜𝑟𝑡𝑖𝑜𝑛</m:t>
                                   </m:r>
                                   <m:r>
-                                    <a:rPr lang="en-US" i="1"/>
+                                    <a:rPr lang="en-US" i="1">
+                                      <a:latin typeface="Cambria Math" panose="02040503050406030204" pitchFamily="18" charset="0"/>
+                                    </a:rPr>
                                     <m:t> </m:t>
                                   </m:r>
                                   <m:r>
-                                    <a:rPr lang="en-US" i="1"/>
+                                    <a:rPr lang="en-US" i="1">
+                                      <a:latin typeface="Cambria Math" panose="02040503050406030204" pitchFamily="18" charset="0"/>
+                                    </a:rPr>
                                     <m:t>𝑑𝑒𝑠</m:t>
                                   </m:r>
                                   <m:r>
-                                    <a:rPr lang="en-US" i="1"/>
+                                    <a:rPr lang="en-US" i="1">
+                                      <a:latin typeface="Cambria Math" panose="02040503050406030204" pitchFamily="18" charset="0"/>
+                                    </a:rPr>
                                     <m:t> </m:t>
                                   </m:r>
                                   <m:r>
-                                    <a:rPr lang="en-US" i="1"/>
+                                    <a:rPr lang="en-US" i="1">
+                                      <a:latin typeface="Cambria Math" panose="02040503050406030204" pitchFamily="18" charset="0"/>
+                                    </a:rPr>
                                     <m:t>𝑚𝑎𝑢𝑣𝑎𝑖𝑠</m:t>
                                   </m:r>
                                 </m:e>
                               </m:d>
                               <m:r>
-                                <a:rPr lang="en-US" i="1"/>
+                                <a:rPr lang="en-US" i="1">
+                                  <a:latin typeface="Cambria Math" panose="02040503050406030204" pitchFamily="18" charset="0"/>
+                                </a:rPr>
                                 <m:t>×</m:t>
                               </m:r>
                               <m:r>
-                                <a:rPr lang="en-US" i="1"/>
+                                <a:rPr lang="en-US" i="1">
+                                  <a:latin typeface="Cambria Math" panose="02040503050406030204" pitchFamily="18" charset="0"/>
+                                </a:rPr>
                                 <m:t>𝐿𝑜𝑔</m:t>
                               </m:r>
                               <m:r>
-                                <a:rPr lang="en-US" i="1"/>
+                                <a:rPr lang="en-US" i="1">
+                                  <a:latin typeface="Cambria Math" panose="02040503050406030204" pitchFamily="18" charset="0"/>
+                                </a:rPr>
                                 <m:t>(</m:t>
                               </m:r>
                               <m:f>
                                 <m:fPr>
                                   <m:ctrlPr>
-                                    <a:rPr lang="fr-FR" i="1"/>
+                                    <a:rPr lang="fr-FR" i="1">
+                                      <a:latin typeface="Cambria Math" panose="02040503050406030204" pitchFamily="18" charset="0"/>
+                                    </a:rPr>
                                   </m:ctrlPr>
                                 </m:fPr>
                                 <m:num>
                                   <m:r>
-                                    <a:rPr lang="en-US" i="1"/>
+                                    <a:rPr lang="en-US" i="1">
+                                      <a:latin typeface="Cambria Math" panose="02040503050406030204" pitchFamily="18" charset="0"/>
+                                    </a:rPr>
                                     <m:t>𝑃𝑟𝑜𝑝𝑜𝑟𝑡𝑖𝑜𝑛</m:t>
                                   </m:r>
                                   <m:r>
-                                    <a:rPr lang="en-US" i="1"/>
+                                    <a:rPr lang="en-US" i="1">
+                                      <a:latin typeface="Cambria Math" panose="02040503050406030204" pitchFamily="18" charset="0"/>
+                                    </a:rPr>
                                     <m:t> </m:t>
                                   </m:r>
                                   <m:r>
-                                    <a:rPr lang="en-US" i="1"/>
+                                    <a:rPr lang="en-US" i="1">
+                                      <a:latin typeface="Cambria Math" panose="02040503050406030204" pitchFamily="18" charset="0"/>
+                                    </a:rPr>
                                     <m:t>𝑑𝑒𝑠</m:t>
                                   </m:r>
                                   <m:r>
-                                    <a:rPr lang="en-US" i="1"/>
+                                    <a:rPr lang="en-US" i="1">
+                                      <a:latin typeface="Cambria Math" panose="02040503050406030204" pitchFamily="18" charset="0"/>
+                                    </a:rPr>
                                     <m:t> </m:t>
                                   </m:r>
                                   <m:r>
-                                    <a:rPr lang="en-US" i="1"/>
+                                    <a:rPr lang="en-US" i="1">
+                                      <a:latin typeface="Cambria Math" panose="02040503050406030204" pitchFamily="18" charset="0"/>
+                                    </a:rPr>
                                     <m:t>𝑏𝑜𝑛𝑠</m:t>
                                   </m:r>
                                 </m:num>
                                 <m:den>
                                   <m:r>
-                                    <a:rPr lang="en-US" i="1"/>
+                                    <a:rPr lang="en-US" i="1">
+                                      <a:latin typeface="Cambria Math" panose="02040503050406030204" pitchFamily="18" charset="0"/>
+                                    </a:rPr>
                                     <m:t>𝑃𝑟𝑜𝑝𝑜𝑟𝑡𝑖𝑜𝑛</m:t>
                                   </m:r>
                                   <m:r>
-                                    <a:rPr lang="en-US" i="1"/>
+                                    <a:rPr lang="en-US" i="1">
+                                      <a:latin typeface="Cambria Math" panose="02040503050406030204" pitchFamily="18" charset="0"/>
+                                    </a:rPr>
                                     <m:t> </m:t>
                                   </m:r>
                                   <m:r>
-                                    <a:rPr lang="en-US" i="1"/>
+                                    <a:rPr lang="en-US" i="1">
+                                      <a:latin typeface="Cambria Math" panose="02040503050406030204" pitchFamily="18" charset="0"/>
+                                    </a:rPr>
                                     <m:t>𝑑𝑒𝑠</m:t>
                                   </m:r>
                                   <m:r>
-                                    <a:rPr lang="en-US" i="1"/>
+                                    <a:rPr lang="en-US" i="1">
+                                      <a:latin typeface="Cambria Math" panose="02040503050406030204" pitchFamily="18" charset="0"/>
+                                    </a:rPr>
                                     <m:t> </m:t>
                                   </m:r>
                                   <m:r>
-                                    <a:rPr lang="en-US" i="1"/>
+                                    <a:rPr lang="en-US" i="1">
+                                      <a:latin typeface="Cambria Math" panose="02040503050406030204" pitchFamily="18" charset="0"/>
+                                    </a:rPr>
                                     <m:t>𝑚𝑎𝑢𝑣𝑎𝑖𝑠</m:t>
                                   </m:r>
                                 </m:den>
                               </m:f>
                               <m:r>
-                                <a:rPr lang="en-US" i="1"/>
+                                <a:rPr lang="en-US" i="1">
+                                  <a:latin typeface="Cambria Math" panose="02040503050406030204" pitchFamily="18" charset="0"/>
+                                </a:rPr>
                                 <m:t>)</m:t>
                               </m:r>
                             </m:e>
@@ -14078,14 +14196,14 @@
                     </m:oMath>
                   </m:oMathPara>
                 </a14:m>
-                <a:endParaRPr lang="fr-FR"/>
+                <a:endParaRPr lang="fr-FR" dirty="0"/>
               </a:p>
               <a:p>
                 <a:pPr marL="0" indent="0">
                   <a:buNone/>
                 </a:pPr>
                 <a:r>
-                  <a:rPr lang="fr-FR"/>
+                  <a:rPr lang="fr-FR" dirty="0"/>
                   <a:t>Une IV supérieure à 2 % est en général considérée comme signe d’un bon pouvoir discriminant</a:t>
                 </a:r>
               </a:p>
@@ -14093,14 +14211,14 @@
                 <a:pPr marL="0" indent="0">
                   <a:buNone/>
                 </a:pPr>
-                <a:endParaRPr lang="fr-FR"/>
+                <a:endParaRPr lang="fr-FR" dirty="0"/>
               </a:p>
               <a:p>
                 <a:pPr marL="0" indent="0">
                   <a:buNone/>
                 </a:pPr>
                 <a:r>
-                  <a:rPr lang="fr-FR"/>
+                  <a:rPr lang="fr-FR" dirty="0"/>
                   <a:t>Le ratio </a:t>
                 </a:r>
                 <a14:m>
@@ -14108,50 +14226,72 @@
                     <m:f>
                       <m:fPr>
                         <m:ctrlPr>
-                          <a:rPr lang="fr-FR" i="1"/>
+                          <a:rPr lang="fr-FR" i="1">
+                            <a:latin typeface="Cambria Math" panose="02040503050406030204" pitchFamily="18" charset="0"/>
+                          </a:rPr>
                         </m:ctrlPr>
                       </m:fPr>
                       <m:num>
                         <m:r>
-                          <a:rPr lang="en-US" i="1"/>
+                          <a:rPr lang="en-US" i="1">
+                            <a:latin typeface="Cambria Math" panose="02040503050406030204" pitchFamily="18" charset="0"/>
+                          </a:rPr>
                           <m:t>𝑃𝑟𝑜𝑝𝑜𝑟𝑡𝑖𝑜𝑛</m:t>
                         </m:r>
                         <m:r>
-                          <a:rPr lang="en-US" i="1"/>
+                          <a:rPr lang="en-US" i="1">
+                            <a:latin typeface="Cambria Math" panose="02040503050406030204" pitchFamily="18" charset="0"/>
+                          </a:rPr>
                           <m:t> </m:t>
                         </m:r>
                         <m:r>
-                          <a:rPr lang="en-US" i="1"/>
+                          <a:rPr lang="en-US" i="1">
+                            <a:latin typeface="Cambria Math" panose="02040503050406030204" pitchFamily="18" charset="0"/>
+                          </a:rPr>
                           <m:t>𝑑𝑒𝑠</m:t>
                         </m:r>
                         <m:r>
-                          <a:rPr lang="en-US" i="1"/>
+                          <a:rPr lang="en-US" i="1">
+                            <a:latin typeface="Cambria Math" panose="02040503050406030204" pitchFamily="18" charset="0"/>
+                          </a:rPr>
                           <m:t> </m:t>
                         </m:r>
                         <m:r>
-                          <a:rPr lang="en-US" i="1"/>
+                          <a:rPr lang="en-US" i="1">
+                            <a:latin typeface="Cambria Math" panose="02040503050406030204" pitchFamily="18" charset="0"/>
+                          </a:rPr>
                           <m:t>𝑏𝑜𝑛𝑠</m:t>
                         </m:r>
                       </m:num>
                       <m:den>
                         <m:r>
-                          <a:rPr lang="en-US" i="1"/>
+                          <a:rPr lang="en-US" i="1">
+                            <a:latin typeface="Cambria Math" panose="02040503050406030204" pitchFamily="18" charset="0"/>
+                          </a:rPr>
                           <m:t>𝑃𝑟𝑜𝑝𝑜𝑟𝑡𝑖𝑜𝑛</m:t>
                         </m:r>
                         <m:r>
-                          <a:rPr lang="en-US" i="1"/>
+                          <a:rPr lang="en-US" i="1">
+                            <a:latin typeface="Cambria Math" panose="02040503050406030204" pitchFamily="18" charset="0"/>
+                          </a:rPr>
                           <m:t> </m:t>
                         </m:r>
                         <m:r>
-                          <a:rPr lang="en-US" i="1"/>
+                          <a:rPr lang="en-US" i="1">
+                            <a:latin typeface="Cambria Math" panose="02040503050406030204" pitchFamily="18" charset="0"/>
+                          </a:rPr>
                           <m:t>𝑑𝑒𝑠</m:t>
                         </m:r>
                         <m:r>
-                          <a:rPr lang="en-US" i="1"/>
+                          <a:rPr lang="en-US" i="1">
+                            <a:latin typeface="Cambria Math" panose="02040503050406030204" pitchFamily="18" charset="0"/>
+                          </a:rPr>
                           <m:t> </m:t>
                         </m:r>
                         <m:r>
-                          <a:rPr lang="en-US" i="1"/>
+                          <a:rPr lang="en-US" i="1">
+                            <a:latin typeface="Cambria Math" panose="02040503050406030204" pitchFamily="18" charset="0"/>
+                          </a:rPr>
                           <m:t>𝑚𝑎𝑢𝑣𝑎𝑖𝑠</m:t>
                         </m:r>
                       </m:den>
@@ -14159,8 +14299,16 @@
                   </m:oMath>
                 </a14:m>
                 <a:r>
-                  <a:rPr lang="fr-FR"/>
-                  <a:t> est appelé odd ratio de la classe / modalité sur laquelle il est calculé.</a:t>
+                  <a:rPr lang="fr-FR" dirty="0"/>
+                  <a:t> est appelé </a:t>
+                </a:r>
+                <a:r>
+                  <a:rPr lang="fr-FR" dirty="0" err="1"/>
+                  <a:t>odd</a:t>
+                </a:r>
+                <a:r>
+                  <a:rPr lang="fr-FR" dirty="0"/>
+                  <a:t> ratio de la classe / modalité sur laquelle il est calculé.</a:t>
                 </a:r>
               </a:p>
               <a:p>
@@ -14170,60 +14318,86 @@
                 <a14:m>
                   <m:oMath xmlns:m="http://schemas.openxmlformats.org/officeDocument/2006/math">
                     <m:r>
-                      <a:rPr lang="en-US" i="1"/>
+                      <a:rPr lang="en-US" i="1">
+                        <a:latin typeface="Cambria Math" panose="02040503050406030204" pitchFamily="18" charset="0"/>
+                      </a:rPr>
                       <m:t>𝐿𝑜𝑔</m:t>
                     </m:r>
                     <m:r>
-                      <a:rPr lang="en-US" i="1"/>
+                      <a:rPr lang="en-US" i="1">
+                        <a:latin typeface="Cambria Math" panose="02040503050406030204" pitchFamily="18" charset="0"/>
+                      </a:rPr>
                       <m:t>(</m:t>
                     </m:r>
                     <m:f>
                       <m:fPr>
                         <m:ctrlPr>
-                          <a:rPr lang="fr-FR" i="1"/>
+                          <a:rPr lang="fr-FR" i="1">
+                            <a:latin typeface="Cambria Math" panose="02040503050406030204" pitchFamily="18" charset="0"/>
+                          </a:rPr>
                         </m:ctrlPr>
                       </m:fPr>
                       <m:num>
                         <m:r>
-                          <a:rPr lang="en-US" i="1"/>
+                          <a:rPr lang="en-US" i="1">
+                            <a:latin typeface="Cambria Math" panose="02040503050406030204" pitchFamily="18" charset="0"/>
+                          </a:rPr>
                           <m:t>𝑃𝑟𝑜𝑝𝑜𝑟𝑡𝑖𝑜𝑛</m:t>
                         </m:r>
                         <m:r>
-                          <a:rPr lang="en-US" i="1"/>
+                          <a:rPr lang="en-US" i="1">
+                            <a:latin typeface="Cambria Math" panose="02040503050406030204" pitchFamily="18" charset="0"/>
+                          </a:rPr>
                           <m:t> </m:t>
                         </m:r>
                         <m:r>
-                          <a:rPr lang="en-US" i="1"/>
+                          <a:rPr lang="en-US" i="1">
+                            <a:latin typeface="Cambria Math" panose="02040503050406030204" pitchFamily="18" charset="0"/>
+                          </a:rPr>
                           <m:t>𝑑𝑒𝑠</m:t>
                         </m:r>
                         <m:r>
-                          <a:rPr lang="en-US" i="1"/>
+                          <a:rPr lang="en-US" i="1">
+                            <a:latin typeface="Cambria Math" panose="02040503050406030204" pitchFamily="18" charset="0"/>
+                          </a:rPr>
                           <m:t> </m:t>
                         </m:r>
                         <m:r>
-                          <a:rPr lang="en-US" i="1"/>
+                          <a:rPr lang="en-US" i="1">
+                            <a:latin typeface="Cambria Math" panose="02040503050406030204" pitchFamily="18" charset="0"/>
+                          </a:rPr>
                           <m:t>𝑏𝑜𝑛𝑠</m:t>
                         </m:r>
                       </m:num>
                       <m:den>
                         <m:r>
-                          <a:rPr lang="en-US" i="1"/>
+                          <a:rPr lang="en-US" i="1">
+                            <a:latin typeface="Cambria Math" panose="02040503050406030204" pitchFamily="18" charset="0"/>
+                          </a:rPr>
                           <m:t>𝑃𝑟𝑜𝑝𝑜𝑟𝑡𝑖𝑜𝑛</m:t>
                         </m:r>
                         <m:r>
-                          <a:rPr lang="en-US" i="1"/>
+                          <a:rPr lang="en-US" i="1">
+                            <a:latin typeface="Cambria Math" panose="02040503050406030204" pitchFamily="18" charset="0"/>
+                          </a:rPr>
                           <m:t> </m:t>
                         </m:r>
                         <m:r>
-                          <a:rPr lang="en-US" i="1"/>
+                          <a:rPr lang="en-US" i="1">
+                            <a:latin typeface="Cambria Math" panose="02040503050406030204" pitchFamily="18" charset="0"/>
+                          </a:rPr>
                           <m:t>𝑑𝑒𝑠</m:t>
                         </m:r>
                         <m:r>
-                          <a:rPr lang="en-US" i="1"/>
+                          <a:rPr lang="en-US" i="1">
+                            <a:latin typeface="Cambria Math" panose="02040503050406030204" pitchFamily="18" charset="0"/>
+                          </a:rPr>
                           <m:t> </m:t>
                         </m:r>
                         <m:r>
-                          <a:rPr lang="en-US" i="1"/>
+                          <a:rPr lang="en-US" i="1">
+                            <a:latin typeface="Cambria Math" panose="02040503050406030204" pitchFamily="18" charset="0"/>
+                          </a:rPr>
                           <m:t>𝑚𝑎𝑢𝑣𝑎𝑖𝑠</m:t>
                         </m:r>
                       </m:den>
@@ -14231,14 +14405,22 @@
                   </m:oMath>
                 </a14:m>
                 <a:r>
-                  <a:rPr lang="fr-FR"/>
-                  <a:t>) est appelé Weight of Evidence (WOE)</a:t>
+                  <a:rPr lang="fr-FR" dirty="0"/>
+                  <a:t>) est appelé </a:t>
+                </a:r>
+                <a:r>
+                  <a:rPr lang="fr-FR" dirty="0" err="1"/>
+                  <a:t>Weight</a:t>
+                </a:r>
+                <a:r>
+                  <a:rPr lang="fr-FR" dirty="0"/>
+                  <a:t> of Evidence (WOE)</a:t>
                 </a:r>
               </a:p>
             </p:txBody>
           </p:sp>
         </mc:Choice>
-        <mc:Fallback>
+        <mc:Fallback xmlns="">
           <p:sp>
             <p:nvSpPr>
               <p:cNvPr id="3" name="Espace réservé du contenu 2">
@@ -14652,8 +14834,8 @@
           </a:p>
         </p:txBody>
       </p:sp>
-      <mc:AlternateContent xmlns:mc="http://schemas.openxmlformats.org/markup-compatibility/2006">
-        <mc:Choice xmlns:a14="http://schemas.microsoft.com/office/drawing/2010/main" Requires="a14">
+      <mc:AlternateContent xmlns:mc="http://schemas.openxmlformats.org/markup-compatibility/2006" xmlns:a14="http://schemas.microsoft.com/office/drawing/2010/main">
+        <mc:Choice Requires="a14">
           <p:sp>
             <p:nvSpPr>
               <p:cNvPr id="3" name="Espace réservé du contenu 2">
@@ -14686,18 +14868,24 @@
                 <a14:m>
                   <m:oMath xmlns:m="http://schemas.openxmlformats.org/officeDocument/2006/math">
                     <m:r>
-                      <a:rPr lang="en-US" sz="2000" i="1"/>
+                      <a:rPr lang="en-US" sz="2000" i="1">
+                        <a:latin typeface="Cambria Math" panose="02040503050406030204" pitchFamily="18" charset="0"/>
+                      </a:rPr>
                       <m:t>𝑉</m:t>
                     </m:r>
                     <m:r>
-                      <a:rPr lang="en-US" sz="2000" i="1"/>
+                      <a:rPr lang="en-US" sz="2000" i="1">
+                        <a:latin typeface="Cambria Math" panose="02040503050406030204" pitchFamily="18" charset="0"/>
+                      </a:rPr>
                       <m:t>=</m:t>
                     </m:r>
                     <m:rad>
                       <m:radPr>
                         <m:degHide m:val="on"/>
                         <m:ctrlPr>
-                          <a:rPr lang="fr-FR" sz="2000" i="1"/>
+                          <a:rPr lang="fr-FR" sz="2000" i="1">
+                            <a:latin typeface="Cambria Math" panose="02040503050406030204" pitchFamily="18" charset="0"/>
+                          </a:rPr>
                         </m:ctrlPr>
                       </m:radPr>
                       <m:deg/>
@@ -14706,7 +14894,9 @@
                           <m:fPr>
                             <m:type m:val="skw"/>
                             <m:ctrlPr>
-                              <a:rPr lang="fr-FR" sz="2000" i="1"/>
+                              <a:rPr lang="fr-FR" sz="2000" i="1">
+                                <a:latin typeface="Cambria Math" panose="02040503050406030204" pitchFamily="18" charset="0"/>
+                              </a:rPr>
                             </m:ctrlPr>
                           </m:fPr>
                           <m:num>
@@ -14714,7 +14904,9 @@
                               <m:fPr>
                                 <m:type m:val="lin"/>
                                 <m:ctrlPr>
-                                  <a:rPr lang="fr-FR" sz="2000" i="1"/>
+                                  <a:rPr lang="fr-FR" sz="2000" i="1">
+                                    <a:latin typeface="Cambria Math" panose="02040503050406030204" pitchFamily="18" charset="0"/>
+                                  </a:rPr>
                                 </m:ctrlPr>
                               </m:fPr>
                               <m:num>
@@ -14724,12 +14916,16 @@
                                     <m:limLoc m:val="undOvr"/>
                                     <m:supHide m:val="on"/>
                                     <m:ctrlPr>
-                                      <a:rPr lang="fr-FR" sz="2000" i="1"/>
+                                      <a:rPr lang="fr-FR" sz="2000" i="1">
+                                        <a:latin typeface="Cambria Math" panose="02040503050406030204" pitchFamily="18" charset="0"/>
+                                      </a:rPr>
                                     </m:ctrlPr>
                                   </m:naryPr>
                                   <m:sub>
                                     <m:r>
-                                      <a:rPr lang="en-US" sz="2000" i="1"/>
+                                      <a:rPr lang="en-US" sz="2000" i="1">
+                                        <a:latin typeface="Cambria Math" panose="02040503050406030204" pitchFamily="18" charset="0"/>
+                                      </a:rPr>
                                       <m:t>𝑖</m:t>
                                     </m:r>
                                   </m:sub>
@@ -14741,12 +14937,16 @@
                                         <m:limLoc m:val="undOvr"/>
                                         <m:supHide m:val="on"/>
                                         <m:ctrlPr>
-                                          <a:rPr lang="fr-FR" sz="2000" i="1"/>
+                                          <a:rPr lang="fr-FR" sz="2000" i="1">
+                                            <a:latin typeface="Cambria Math" panose="02040503050406030204" pitchFamily="18" charset="0"/>
+                                          </a:rPr>
                                         </m:ctrlPr>
                                       </m:naryPr>
                                       <m:sub>
                                         <m:r>
-                                          <a:rPr lang="en-US" sz="2000" i="1"/>
+                                          <a:rPr lang="en-US" sz="2000" i="1">
+                                            <a:latin typeface="Cambria Math" panose="02040503050406030204" pitchFamily="18" charset="0"/>
+                                          </a:rPr>
                                           <m:t>𝑗</m:t>
                                         </m:r>
                                       </m:sub>
@@ -14755,74 +14955,102 @@
                                         <m:f>
                                           <m:fPr>
                                             <m:ctrlPr>
-                                              <a:rPr lang="fr-FR" sz="2000" i="1"/>
+                                              <a:rPr lang="fr-FR" sz="2000" i="1">
+                                                <a:latin typeface="Cambria Math" panose="02040503050406030204" pitchFamily="18" charset="0"/>
+                                              </a:rPr>
                                             </m:ctrlPr>
                                           </m:fPr>
                                           <m:num>
                                             <m:sSub>
                                               <m:sSubPr>
                                                 <m:ctrlPr>
-                                                  <a:rPr lang="fr-FR" sz="2000" i="1"/>
+                                                  <a:rPr lang="fr-FR" sz="2000" i="1">
+                                                    <a:latin typeface="Cambria Math" panose="02040503050406030204" pitchFamily="18" charset="0"/>
+                                                  </a:rPr>
                                                 </m:ctrlPr>
                                               </m:sSubPr>
                                               <m:e>
                                                 <m:r>
-                                                  <a:rPr lang="en-US" sz="2000" i="1"/>
+                                                  <a:rPr lang="en-US" sz="2000" i="1">
+                                                    <a:latin typeface="Cambria Math" panose="02040503050406030204" pitchFamily="18" charset="0"/>
+                                                  </a:rPr>
                                                   <m:t>(</m:t>
                                                 </m:r>
                                                 <m:r>
-                                                  <a:rPr lang="en-US" sz="2000" i="1"/>
+                                                  <a:rPr lang="en-US" sz="2000" i="1">
+                                                    <a:latin typeface="Cambria Math" panose="02040503050406030204" pitchFamily="18" charset="0"/>
+                                                  </a:rPr>
                                                   <m:t>𝑛</m:t>
                                                 </m:r>
                                               </m:e>
                                               <m:sub>
                                                 <m:r>
-                                                  <a:rPr lang="en-US" sz="2000" i="1"/>
+                                                  <a:rPr lang="en-US" sz="2000" i="1">
+                                                    <a:latin typeface="Cambria Math" panose="02040503050406030204" pitchFamily="18" charset="0"/>
+                                                  </a:rPr>
                                                   <m:t>𝑖</m:t>
                                                 </m:r>
                                                 <m:r>
-                                                  <a:rPr lang="en-US" sz="2000" i="1"/>
+                                                  <a:rPr lang="en-US" sz="2000" i="1">
+                                                    <a:latin typeface="Cambria Math" panose="02040503050406030204" pitchFamily="18" charset="0"/>
+                                                  </a:rPr>
                                                   <m:t>,</m:t>
                                                 </m:r>
                                                 <m:r>
-                                                  <a:rPr lang="en-US" sz="2000" i="1"/>
+                                                  <a:rPr lang="en-US" sz="2000" i="1">
+                                                    <a:latin typeface="Cambria Math" panose="02040503050406030204" pitchFamily="18" charset="0"/>
+                                                  </a:rPr>
                                                   <m:t>𝑗</m:t>
                                                 </m:r>
                                               </m:sub>
                                             </m:sSub>
                                             <m:r>
-                                              <a:rPr lang="en-US" sz="2000" i="1"/>
+                                              <a:rPr lang="en-US" sz="2000" i="1">
+                                                <a:latin typeface="Cambria Math" panose="02040503050406030204" pitchFamily="18" charset="0"/>
+                                              </a:rPr>
                                               <m:t>−</m:t>
                                             </m:r>
                                             <m:sSub>
                                               <m:sSubPr>
                                                 <m:ctrlPr>
-                                                  <a:rPr lang="fr-FR" sz="2000" i="1"/>
+                                                  <a:rPr lang="fr-FR" sz="2000" i="1">
+                                                    <a:latin typeface="Cambria Math" panose="02040503050406030204" pitchFamily="18" charset="0"/>
+                                                  </a:rPr>
                                                 </m:ctrlPr>
                                               </m:sSubPr>
                                               <m:e>
                                                 <m:r>
-                                                  <a:rPr lang="en-US" sz="2000" i="1"/>
+                                                  <a:rPr lang="en-US" sz="2000" i="1">
+                                                    <a:latin typeface="Cambria Math" panose="02040503050406030204" pitchFamily="18" charset="0"/>
+                                                  </a:rPr>
                                                   <m:t>𝑒</m:t>
                                                 </m:r>
                                               </m:e>
                                               <m:sub>
                                                 <m:r>
-                                                  <a:rPr lang="en-US" sz="2000" i="1"/>
+                                                  <a:rPr lang="en-US" sz="2000" i="1">
+                                                    <a:latin typeface="Cambria Math" panose="02040503050406030204" pitchFamily="18" charset="0"/>
+                                                  </a:rPr>
                                                   <m:t>𝑖</m:t>
                                                 </m:r>
                                                 <m:r>
-                                                  <a:rPr lang="en-US" sz="2000" i="1"/>
+                                                  <a:rPr lang="en-US" sz="2000" i="1">
+                                                    <a:latin typeface="Cambria Math" panose="02040503050406030204" pitchFamily="18" charset="0"/>
+                                                  </a:rPr>
                                                   <m:t>,</m:t>
                                                 </m:r>
                                                 <m:r>
-                                                  <a:rPr lang="en-US" sz="2000" i="1"/>
+                                                  <a:rPr lang="en-US" sz="2000" i="1">
+                                                    <a:latin typeface="Cambria Math" panose="02040503050406030204" pitchFamily="18" charset="0"/>
+                                                  </a:rPr>
                                                   <m:t>𝑗</m:t>
                                                 </m:r>
                                               </m:sub>
                                             </m:sSub>
                                             <m:r>
-                                              <a:rPr lang="en-US" sz="2000" i="1"/>
+                                              <a:rPr lang="en-US" sz="2000" i="1">
+                                                <a:latin typeface="Cambria Math" panose="02040503050406030204" pitchFamily="18" charset="0"/>
+                                              </a:rPr>
                                               <m:t>)²</m:t>
                                             </m:r>
                                           </m:num>
@@ -14830,26 +15058,36 @@
                                             <m:sSub>
                                               <m:sSubPr>
                                                 <m:ctrlPr>
-                                                  <a:rPr lang="fr-FR" sz="2000" i="1"/>
+                                                  <a:rPr lang="fr-FR" sz="2000" i="1">
+                                                    <a:latin typeface="Cambria Math" panose="02040503050406030204" pitchFamily="18" charset="0"/>
+                                                  </a:rPr>
                                                 </m:ctrlPr>
                                               </m:sSubPr>
                                               <m:e>
                                                 <m:r>
-                                                  <a:rPr lang="en-US" sz="2000" i="1"/>
+                                                  <a:rPr lang="en-US" sz="2000" i="1">
+                                                    <a:latin typeface="Cambria Math" panose="02040503050406030204" pitchFamily="18" charset="0"/>
+                                                  </a:rPr>
                                                   <m:t>𝑒</m:t>
                                                 </m:r>
                                               </m:e>
                                               <m:sub>
                                                 <m:r>
-                                                  <a:rPr lang="en-US" sz="2000" i="1"/>
+                                                  <a:rPr lang="en-US" sz="2000" i="1">
+                                                    <a:latin typeface="Cambria Math" panose="02040503050406030204" pitchFamily="18" charset="0"/>
+                                                  </a:rPr>
                                                   <m:t>𝑖</m:t>
                                                 </m:r>
                                                 <m:r>
-                                                  <a:rPr lang="en-US" sz="2000" i="1"/>
+                                                  <a:rPr lang="en-US" sz="2000" i="1">
+                                                    <a:latin typeface="Cambria Math" panose="02040503050406030204" pitchFamily="18" charset="0"/>
+                                                  </a:rPr>
                                                   <m:t>,</m:t>
                                                 </m:r>
                                                 <m:r>
-                                                  <a:rPr lang="en-US" sz="2000" i="1"/>
+                                                  <a:rPr lang="en-US" sz="2000" i="1">
+                                                    <a:latin typeface="Cambria Math" panose="02040503050406030204" pitchFamily="18" charset="0"/>
+                                                  </a:rPr>
                                                   <m:t>𝑗</m:t>
                                                 </m:r>
                                               </m:sub>
@@ -14863,7 +15101,9 @@
                               </m:num>
                               <m:den>
                                 <m:r>
-                                  <a:rPr lang="en-US" sz="2000" i="1"/>
+                                  <a:rPr lang="en-US" sz="2000" i="1">
+                                    <a:latin typeface="Cambria Math" panose="02040503050406030204" pitchFamily="18" charset="0"/>
+                                  </a:rPr>
                                   <m:t>𝑛</m:t>
                                 </m:r>
                               </m:den>
@@ -14874,31 +15114,45 @@
                               <m:rPr>
                                 <m:sty m:val="p"/>
                               </m:rPr>
-                              <a:rPr lang="en-US" sz="2000"/>
+                              <a:rPr lang="en-US" sz="2000">
+                                <a:latin typeface="Cambria Math" panose="02040503050406030204" pitchFamily="18" charset="0"/>
+                              </a:rPr>
                               <m:t>min</m:t>
                             </m:r>
                             <m:r>
-                              <a:rPr lang="en-US" sz="2000"/>
+                              <a:rPr lang="en-US" sz="2000">
+                                <a:latin typeface="Cambria Math" panose="02040503050406030204" pitchFamily="18" charset="0"/>
+                              </a:rPr>
                               <m:t>⁡</m:t>
                             </m:r>
                             <m:r>
-                              <a:rPr lang="en-US" sz="2000" i="1"/>
+                              <a:rPr lang="en-US" sz="2000" i="1">
+                                <a:latin typeface="Cambria Math" panose="02040503050406030204" pitchFamily="18" charset="0"/>
+                              </a:rPr>
                               <m:t>(</m:t>
                             </m:r>
                             <m:r>
-                              <a:rPr lang="en-US" sz="2000" i="1"/>
+                              <a:rPr lang="en-US" sz="2000" i="1">
+                                <a:latin typeface="Cambria Math" panose="02040503050406030204" pitchFamily="18" charset="0"/>
+                              </a:rPr>
                               <m:t>𝑅</m:t>
                             </m:r>
                             <m:r>
-                              <a:rPr lang="en-US" sz="2000" i="1"/>
+                              <a:rPr lang="en-US" sz="2000" i="1">
+                                <a:latin typeface="Cambria Math" panose="02040503050406030204" pitchFamily="18" charset="0"/>
+                              </a:rPr>
                               <m:t>−1,</m:t>
                             </m:r>
                             <m:r>
-                              <a:rPr lang="en-US" sz="2000" i="1"/>
+                              <a:rPr lang="en-US" sz="2000" i="1">
+                                <a:latin typeface="Cambria Math" panose="02040503050406030204" pitchFamily="18" charset="0"/>
+                              </a:rPr>
                               <m:t>𝐶</m:t>
                             </m:r>
                             <m:r>
-                              <a:rPr lang="en-US" sz="2000" i="1"/>
+                              <a:rPr lang="en-US" sz="2000" i="1">
+                                <a:latin typeface="Cambria Math" panose="02040503050406030204" pitchFamily="18" charset="0"/>
+                              </a:rPr>
                               <m:t>−1)</m:t>
                             </m:r>
                           </m:den>
@@ -14977,7 +15231,9 @@
                     <m:sSub>
                       <m:sSubPr>
                         <m:ctrlPr>
-                          <a:rPr lang="fr-FR" sz="2000" i="1"/>
+                          <a:rPr lang="fr-FR" sz="2000" i="1">
+                            <a:latin typeface="Cambria Math" panose="02040503050406030204" pitchFamily="18" charset="0"/>
+                          </a:rPr>
                         </m:ctrlPr>
                       </m:sSubPr>
                       <m:e>
@@ -14985,7 +15241,9 @@
                           <m:rPr>
                             <m:sty m:val="p"/>
                           </m:rPr>
-                          <a:rPr lang="fr-FR" sz="2000"/>
+                          <a:rPr lang="fr-FR" sz="2000">
+                            <a:latin typeface="Cambria Math" panose="02040503050406030204" pitchFamily="18" charset="0"/>
+                          </a:rPr>
                           <m:t>n</m:t>
                         </m:r>
                       </m:e>
@@ -14994,18 +15252,24 @@
                           <m:rPr>
                             <m:sty m:val="p"/>
                           </m:rPr>
-                          <a:rPr lang="fr-FR" sz="2000"/>
+                          <a:rPr lang="fr-FR" sz="2000">
+                            <a:latin typeface="Cambria Math" panose="02040503050406030204" pitchFamily="18" charset="0"/>
+                          </a:rPr>
                           <m:t>i</m:t>
                         </m:r>
                         <m:r>
-                          <a:rPr lang="fr-FR" sz="2000"/>
+                          <a:rPr lang="fr-FR" sz="2000">
+                            <a:latin typeface="Cambria Math" panose="02040503050406030204" pitchFamily="18" charset="0"/>
+                          </a:rPr>
                           <m:t>,</m:t>
                         </m:r>
                         <m:r>
                           <m:rPr>
                             <m:sty m:val="p"/>
                           </m:rPr>
-                          <a:rPr lang="fr-FR" sz="2000"/>
+                          <a:rPr lang="fr-FR" sz="2000">
+                            <a:latin typeface="Cambria Math" panose="02040503050406030204" pitchFamily="18" charset="0"/>
+                          </a:rPr>
                           <m:t>j</m:t>
                         </m:r>
                       </m:sub>
@@ -15034,7 +15298,9 @@
                     <m:sSub>
                       <m:sSubPr>
                         <m:ctrlPr>
-                          <a:rPr lang="fr-FR" sz="2000" i="1"/>
+                          <a:rPr lang="fr-FR" sz="2000" i="1">
+                            <a:latin typeface="Cambria Math" panose="02040503050406030204" pitchFamily="18" charset="0"/>
+                          </a:rPr>
                         </m:ctrlPr>
                       </m:sSubPr>
                       <m:e>
@@ -15042,7 +15308,9 @@
                           <m:rPr>
                             <m:sty m:val="p"/>
                           </m:rPr>
-                          <a:rPr lang="fr-FR" sz="2000"/>
+                          <a:rPr lang="fr-FR" sz="2000">
+                            <a:latin typeface="Cambria Math" panose="02040503050406030204" pitchFamily="18" charset="0"/>
+                          </a:rPr>
                           <m:t>e</m:t>
                         </m:r>
                       </m:e>
@@ -15051,18 +15319,24 @@
                           <m:rPr>
                             <m:sty m:val="p"/>
                           </m:rPr>
-                          <a:rPr lang="fr-FR" sz="2000"/>
+                          <a:rPr lang="fr-FR" sz="2000">
+                            <a:latin typeface="Cambria Math" panose="02040503050406030204" pitchFamily="18" charset="0"/>
+                          </a:rPr>
                           <m:t>i</m:t>
                         </m:r>
                         <m:r>
-                          <a:rPr lang="fr-FR" sz="2000"/>
+                          <a:rPr lang="fr-FR" sz="2000">
+                            <a:latin typeface="Cambria Math" panose="02040503050406030204" pitchFamily="18" charset="0"/>
+                          </a:rPr>
                           <m:t>,</m:t>
                         </m:r>
                         <m:r>
                           <m:rPr>
                             <m:sty m:val="p"/>
                           </m:rPr>
-                          <a:rPr lang="fr-FR" sz="2000"/>
+                          <a:rPr lang="fr-FR" sz="2000">
+                            <a:latin typeface="Cambria Math" panose="02040503050406030204" pitchFamily="18" charset="0"/>
+                          </a:rPr>
                           <m:t>j</m:t>
                         </m:r>
                       </m:sub>
@@ -15095,7 +15369,7 @@
             </p:txBody>
           </p:sp>
         </mc:Choice>
-        <mc:Fallback>
+        <mc:Fallback xmlns="">
           <p:sp>
             <p:nvSpPr>
               <p:cNvPr id="3" name="Espace réservé du contenu 2">
@@ -15680,57 +15954,65 @@
           <a:lstStyle/>
           <a:p>
             <a:r>
-              <a:rPr lang="fr-FR"/>
-              <a:t>L’indice de Gini mesure la performance du score (il s’agit du double de l’aire entre la courbe noire aléatoire et la courbe rouge de performance). En génértal, un Gini &gt; 60 % est considéré comme bon.</a:t>
-            </a:r>
-          </a:p>
-          <a:p>
-            <a:endParaRPr lang="fr-FR"/>
-          </a:p>
-          <a:p>
-            <a:endParaRPr lang="fr-FR"/>
-          </a:p>
-          <a:p>
-            <a:endParaRPr lang="fr-FR"/>
-          </a:p>
-          <a:p>
-            <a:endParaRPr lang="fr-FR"/>
-          </a:p>
-          <a:p>
-            <a:endParaRPr lang="fr-FR"/>
-          </a:p>
-          <a:p>
-            <a:endParaRPr lang="fr-FR"/>
-          </a:p>
-          <a:p>
-            <a:endParaRPr lang="fr-FR"/>
-          </a:p>
-          <a:p>
-            <a:r>
-              <a:rPr lang="fr-FR">
+              <a:rPr lang="fr-FR" dirty="0"/>
+              <a:t>L’indice de Gini mesure la performance du score (il s’agit du double de l’aire entre la courbe noire aléatoire et la courbe rouge de performance). En </a:t>
+            </a:r>
+            <a:r>
+              <a:rPr lang="fr-FR" dirty="0" err="1"/>
+              <a:t>génértal</a:t>
+            </a:r>
+            <a:r>
+              <a:rPr lang="fr-FR" dirty="0"/>
+              <a:t>, un Gini &gt; 60 % est considéré comme bon.</a:t>
+            </a:r>
+          </a:p>
+          <a:p>
+            <a:endParaRPr lang="fr-FR" dirty="0"/>
+          </a:p>
+          <a:p>
+            <a:endParaRPr lang="fr-FR" dirty="0"/>
+          </a:p>
+          <a:p>
+            <a:endParaRPr lang="fr-FR" dirty="0"/>
+          </a:p>
+          <a:p>
+            <a:endParaRPr lang="fr-FR" dirty="0"/>
+          </a:p>
+          <a:p>
+            <a:endParaRPr lang="fr-FR" dirty="0"/>
+          </a:p>
+          <a:p>
+            <a:endParaRPr lang="fr-FR" dirty="0"/>
+          </a:p>
+          <a:p>
+            <a:endParaRPr lang="fr-FR" dirty="0"/>
+          </a:p>
+          <a:p>
+            <a:r>
+              <a:rPr lang="fr-FR" dirty="0">
                 <a:sym typeface="Wingdings" panose="05000000000000000000" pitchFamily="2" charset="2"/>
               </a:rPr>
               <a:t> </a:t>
             </a:r>
             <a:r>
-              <a:rPr lang="fr-FR"/>
+              <a:rPr lang="fr-FR" dirty="0"/>
               <a:t>On compare le Gini sur la période du monitoring au Gini de la construction pour s’assurer qu’il n’a pas trop diminué. </a:t>
             </a:r>
           </a:p>
           <a:p>
-            <a:endParaRPr lang="fr-FR"/>
+            <a:endParaRPr lang="fr-FR" dirty="0"/>
           </a:p>
           <a:p>
             <a:pPr marL="384048" lvl="2" indent="0">
               <a:buNone/>
             </a:pPr>
-            <a:endParaRPr lang="fr-FR"/>
+            <a:endParaRPr lang="fr-FR" dirty="0"/>
           </a:p>
           <a:p>
             <a:pPr marL="0" indent="0">
               <a:buNone/>
             </a:pPr>
-            <a:endParaRPr lang="fr-FR"/>
+            <a:endParaRPr lang="fr-FR" dirty="0"/>
           </a:p>
         </p:txBody>
       </p:sp>
